--- a/data/Images/Fukaya_2016/Fukaya_2016.pptx
+++ b/data/Images/Fukaya_2016/Fukaya_2016.pptx
@@ -114,6 +114,11 @@
       </a:defRPr>
     </a:lvl9pPr>
   </p:defaultTextStyle>
+  <p:extLst>
+    <p:ext uri="{EFAFB233-063F-42B5-8137-9DF3F51BA10A}">
+      <p15:sldGuideLst xmlns:p15="http://schemas.microsoft.com/office/powerpoint/2012/main"/>
+    </p:ext>
+  </p:extLst>
 </p:presentation>
 </file>
 
@@ -4313,6 +4318,12 @@
               </a:rPr>
               <a:t>. (2016). </a:t>
             </a:r>
+            <a:br>
+              <a:rPr lang="en-US" altLang="ja-JP" sz="3600" dirty="0">
+                <a:latin typeface="Hiragino Sans W4" panose="020B0400000000000000" pitchFamily="34" charset="-128"/>
+                <a:ea typeface="Hiragino Sans W4" panose="020B0400000000000000" pitchFamily="34" charset="-128"/>
+              </a:rPr>
+            </a:br>
             <a:r>
               <a:rPr lang="ja-JP" altLang="en-US" sz="3600">
                 <a:latin typeface="Hiragino Sans W4" panose="020B0400000000000000" pitchFamily="34" charset="-128"/>
@@ -4321,12 +4332,18 @@
               <a:t>動的サイト占有モデル</a:t>
             </a:r>
             <a:r>
-              <a:rPr lang="en-US" altLang="ja-JP" sz="3600" dirty="0">
+              <a:rPr lang="en-US" altLang="ja-JP" sz="3600">
                 <a:latin typeface="Hiragino Sans W4" panose="020B0400000000000000" pitchFamily="34" charset="-128"/>
                 <a:ea typeface="Hiragino Sans W4" panose="020B0400000000000000" pitchFamily="34" charset="-128"/>
               </a:rPr>
               <a:t>. </a:t>
             </a:r>
+            <a:br>
+              <a:rPr lang="en-US" altLang="ja-JP" sz="3600">
+                <a:latin typeface="Hiragino Sans W4" panose="020B0400000000000000" pitchFamily="34" charset="-128"/>
+                <a:ea typeface="Hiragino Sans W4" panose="020B0400000000000000" pitchFamily="34" charset="-128"/>
+              </a:rPr>
+            </a:br>
             <a:r>
               <a:rPr lang="ja-JP" altLang="en-US" sz="3600" i="1">
                 <a:latin typeface="Hiragino Sans W4" panose="020B0400000000000000" pitchFamily="34" charset="-128"/>
